--- a/ppt/30_Git 與 Github.pptx
+++ b/ppt/30_Git 與 Github.pptx
@@ -2,7 +2,7 @@
 <file path=ppt/presentation.xml><?xml version="1.0" encoding="utf-8"?>
 <p:presentation xmlns:a="http://schemas.openxmlformats.org/drawingml/2006/main" xmlns:r="http://schemas.openxmlformats.org/officeDocument/2006/relationships" xmlns:p="http://schemas.openxmlformats.org/presentationml/2006/main" saveSubsetFonts="1">
   <p:sldMasterIdLst>
-    <p:sldMasterId id="2147483665" r:id="rId1"/>
+    <p:sldMasterId id="2147483670" r:id="rId1"/>
   </p:sldMasterIdLst>
   <p:notesMasterIdLst>
     <p:notesMasterId r:id="rId45"/>
@@ -242,7 +242,7 @@
           <a:p>
             <a:fld id="{4C3E8E4F-B94C-4931-8E26-37EF94800EBC}" type="datetimeFigureOut">
               <a:rPr lang="zh-TW" altLang="en-US" smtClean="0"/>
-              <a:t>2025/2/16</a:t>
+              <a:t>2025/2/28</a:t>
             </a:fld>
             <a:endParaRPr lang="zh-TW" altLang="en-US"/>
           </a:p>
@@ -804,14 +804,14 @@
     </p:spTree>
     <p:extLst>
       <p:ext uri="{BB962C8B-B14F-4D97-AF65-F5344CB8AC3E}">
-        <p14:creationId xmlns:p14="http://schemas.microsoft.com/office/powerpoint/2010/main" val="2769619117"/>
+        <p14:creationId xmlns:p14="http://schemas.microsoft.com/office/powerpoint/2010/main" val="2851031837"/>
       </p:ext>
     </p:extLst>
   </p:cSld>
   <p:clrMapOvr>
     <a:masterClrMapping/>
   </p:clrMapOvr>
-  <p:transition spd="slow">
+  <p:transition>
     <p:push dir="u"/>
   </p:transition>
 </p:sldLayout>
@@ -1188,14 +1188,14 @@
     </p:spTree>
     <p:extLst>
       <p:ext uri="{BB962C8B-B14F-4D97-AF65-F5344CB8AC3E}">
-        <p14:creationId xmlns:p14="http://schemas.microsoft.com/office/powerpoint/2010/main" val="918015473"/>
+        <p14:creationId xmlns:p14="http://schemas.microsoft.com/office/powerpoint/2010/main" val="1552929112"/>
       </p:ext>
     </p:extLst>
   </p:cSld>
   <p:clrMapOvr>
     <a:masterClrMapping/>
   </p:clrMapOvr>
-  <p:transition spd="slow">
+  <p:transition>
     <p:push dir="u"/>
   </p:transition>
 </p:sldLayout>
@@ -1515,14 +1515,14 @@
     </p:spTree>
     <p:extLst>
       <p:ext uri="{BB962C8B-B14F-4D97-AF65-F5344CB8AC3E}">
-        <p14:creationId xmlns:p14="http://schemas.microsoft.com/office/powerpoint/2010/main" val="3629900283"/>
+        <p14:creationId xmlns:p14="http://schemas.microsoft.com/office/powerpoint/2010/main" val="1492330707"/>
       </p:ext>
     </p:extLst>
   </p:cSld>
   <p:clrMapOvr>
     <a:masterClrMapping/>
   </p:clrMapOvr>
-  <p:transition spd="slow">
+  <p:transition>
     <p:push dir="u"/>
   </p:transition>
 </p:sldLayout>
@@ -1814,14 +1814,14 @@
     </p:spTree>
     <p:extLst>
       <p:ext uri="{BB962C8B-B14F-4D97-AF65-F5344CB8AC3E}">
-        <p14:creationId xmlns:p14="http://schemas.microsoft.com/office/powerpoint/2010/main" val="2199040521"/>
+        <p14:creationId xmlns:p14="http://schemas.microsoft.com/office/powerpoint/2010/main" val="3413276616"/>
       </p:ext>
     </p:extLst>
   </p:cSld>
   <p:clrMapOvr>
     <a:masterClrMapping/>
   </p:clrMapOvr>
-  <p:transition spd="slow">
+  <p:transition>
     <p:push dir="u"/>
   </p:transition>
 </p:sldLayout>
@@ -2047,18 +2047,18 @@
     </p:spTree>
     <p:extLst>
       <p:ext uri="{BB962C8B-B14F-4D97-AF65-F5344CB8AC3E}">
-        <p14:creationId xmlns:p14="http://schemas.microsoft.com/office/powerpoint/2010/main" val="277090115"/>
+        <p14:creationId xmlns:p14="http://schemas.microsoft.com/office/powerpoint/2010/main" val="902233355"/>
       </p:ext>
     </p:extLst>
   </p:cSld>
   <p:clrMap bg1="dk1" tx1="lt1" bg2="dk2" tx2="lt2" accent1="accent1" accent2="accent2" accent3="accent3" accent4="accent4" accent5="accent5" accent6="accent6" hlink="hlink" folHlink="folHlink"/>
   <p:sldLayoutIdLst>
-    <p:sldLayoutId id="2147483666" r:id="rId1"/>
-    <p:sldLayoutId id="2147483667" r:id="rId2"/>
-    <p:sldLayoutId id="2147483668" r:id="rId3"/>
-    <p:sldLayoutId id="2147483669" r:id="rId4"/>
+    <p:sldLayoutId id="2147483671" r:id="rId1"/>
+    <p:sldLayoutId id="2147483672" r:id="rId2"/>
+    <p:sldLayoutId id="2147483673" r:id="rId3"/>
+    <p:sldLayoutId id="2147483674" r:id="rId4"/>
   </p:sldLayoutIdLst>
-  <p:transition spd="slow">
+  <p:transition>
     <p:push dir="u"/>
   </p:transition>
   <p:txStyles>
@@ -2440,7 +2440,7 @@
   <p:clrMapOvr>
     <a:masterClrMapping/>
   </p:clrMapOvr>
-  <p:transition spd="slow">
+  <p:transition>
     <p:push dir="u"/>
   </p:transition>
 </p:sld>
@@ -3252,7 +3252,7 @@
   <p:clrMapOvr>
     <a:masterClrMapping/>
   </p:clrMapOvr>
-  <p:transition spd="slow">
+  <p:transition>
     <p:push dir="u"/>
   </p:transition>
 </p:sld>
@@ -3558,7 +3558,7 @@
   <p:clrMapOvr>
     <a:masterClrMapping/>
   </p:clrMapOvr>
-  <p:transition spd="slow">
+  <p:transition>
     <p:push dir="u"/>
   </p:transition>
 </p:sld>
@@ -4545,7 +4545,7 @@
   <p:clrMapOvr>
     <a:masterClrMapping/>
   </p:clrMapOvr>
-  <p:transition spd="slow">
+  <p:transition>
     <p:push dir="u"/>
   </p:transition>
 </p:sld>
@@ -5013,7 +5013,7 @@
   <p:clrMapOvr>
     <a:masterClrMapping/>
   </p:clrMapOvr>
-  <p:transition spd="slow">
+  <p:transition>
     <p:push dir="u"/>
   </p:transition>
 </p:sld>
@@ -5385,7 +5385,7 @@
   <p:clrMapOvr>
     <a:masterClrMapping/>
   </p:clrMapOvr>
-  <p:transition spd="slow">
+  <p:transition>
     <p:push dir="u"/>
   </p:transition>
 </p:sld>
@@ -7332,7 +7332,7 @@
   <p:clrMapOvr>
     <a:masterClrMapping/>
   </p:clrMapOvr>
-  <p:transition spd="slow">
+  <p:transition>
     <p:push dir="u"/>
   </p:transition>
 </p:sld>
@@ -7437,7 +7437,7 @@
   <p:clrMapOvr>
     <a:masterClrMapping/>
   </p:clrMapOvr>
-  <p:transition spd="slow">
+  <p:transition>
     <p:push dir="u"/>
   </p:transition>
 </p:sld>
@@ -8438,7 +8438,7 @@
   <p:clrMapOvr>
     <a:masterClrMapping/>
   </p:clrMapOvr>
-  <p:transition spd="slow">
+  <p:transition>
     <p:push dir="u"/>
   </p:transition>
 </p:sld>
@@ -8534,7 +8534,7 @@
   <p:clrMapOvr>
     <a:masterClrMapping/>
   </p:clrMapOvr>
-  <p:transition spd="slow">
+  <p:transition>
     <p:push dir="u"/>
   </p:transition>
 </p:sld>
@@ -8966,7 +8966,7 @@
   <p:clrMapOvr>
     <a:masterClrMapping/>
   </p:clrMapOvr>
-  <p:transition spd="slow">
+  <p:transition>
     <p:push dir="u"/>
   </p:transition>
 </p:sld>
@@ -9311,7 +9311,7 @@
   <p:clrMapOvr>
     <a:masterClrMapping/>
   </p:clrMapOvr>
-  <p:transition spd="slow">
+  <p:transition>
     <p:push dir="u"/>
   </p:transition>
 </p:sld>
@@ -9835,7 +9835,7 @@
   <p:clrMapOvr>
     <a:masterClrMapping/>
   </p:clrMapOvr>
-  <p:transition spd="slow">
+  <p:transition>
     <p:push dir="u"/>
   </p:transition>
 </p:sld>
@@ -10019,7 +10019,7 @@
   <p:clrMapOvr>
     <a:masterClrMapping/>
   </p:clrMapOvr>
-  <p:transition spd="slow">
+  <p:transition>
     <p:push dir="u"/>
   </p:transition>
 </p:sld>
@@ -10515,7 +10515,7 @@
   <p:clrMapOvr>
     <a:masterClrMapping/>
   </p:clrMapOvr>
-  <p:transition spd="slow">
+  <p:transition>
     <p:push dir="u"/>
   </p:transition>
 </p:sld>
@@ -11838,7 +11838,7 @@
   <p:clrMapOvr>
     <a:masterClrMapping/>
   </p:clrMapOvr>
-  <p:transition spd="slow">
+  <p:transition>
     <p:push dir="u"/>
   </p:transition>
 </p:sld>
@@ -13380,7 +13380,7 @@
   <p:clrMapOvr>
     <a:masterClrMapping/>
   </p:clrMapOvr>
-  <p:transition spd="slow">
+  <p:transition>
     <p:push dir="u"/>
   </p:transition>
 </p:sld>
@@ -14846,7 +14846,7 @@
   <p:clrMapOvr>
     <a:masterClrMapping/>
   </p:clrMapOvr>
-  <p:transition spd="slow">
+  <p:transition>
     <p:push dir="u"/>
   </p:transition>
 </p:sld>
@@ -15929,7 +15929,7 @@
   <p:clrMapOvr>
     <a:masterClrMapping/>
   </p:clrMapOvr>
-  <p:transition spd="slow">
+  <p:transition>
     <p:push dir="u"/>
   </p:transition>
 </p:sld>
@@ -16111,7 +16111,7 @@
   <p:clrMapOvr>
     <a:masterClrMapping/>
   </p:clrMapOvr>
-  <p:transition spd="slow">
+  <p:transition>
     <p:push dir="u"/>
   </p:transition>
 </p:sld>
@@ -16295,7 +16295,7 @@
   <p:clrMapOvr>
     <a:masterClrMapping/>
   </p:clrMapOvr>
-  <p:transition spd="slow">
+  <p:transition>
     <p:push dir="u"/>
   </p:transition>
 </p:sld>
@@ -17163,7 +17163,7 @@
   <p:clrMapOvr>
     <a:masterClrMapping/>
   </p:clrMapOvr>
-  <p:transition spd="slow">
+  <p:transition>
     <p:push dir="u"/>
   </p:transition>
 </p:sld>
@@ -18110,7 +18110,7 @@
   <p:clrMapOvr>
     <a:masterClrMapping/>
   </p:clrMapOvr>
-  <p:transition spd="slow">
+  <p:transition>
     <p:push dir="u"/>
   </p:transition>
 </p:sld>
@@ -19291,7 +19291,7 @@
   <p:clrMapOvr>
     <a:masterClrMapping/>
   </p:clrMapOvr>
-  <p:transition spd="slow">
+  <p:transition>
     <p:push dir="u"/>
   </p:transition>
 </p:sld>
@@ -21383,7 +21383,7 @@
   <p:clrMapOvr>
     <a:masterClrMapping/>
   </p:clrMapOvr>
-  <p:transition spd="slow">
+  <p:transition>
     <p:push dir="u"/>
   </p:transition>
 </p:sld>
@@ -21479,7 +21479,7 @@
   <p:clrMapOvr>
     <a:masterClrMapping/>
   </p:clrMapOvr>
-  <p:transition spd="slow">
+  <p:transition>
     <p:push dir="u"/>
   </p:transition>
 </p:sld>
@@ -22270,7 +22270,7 @@
   <p:clrMapOvr>
     <a:masterClrMapping/>
   </p:clrMapOvr>
-  <p:transition spd="slow">
+  <p:transition>
     <p:push dir="u"/>
   </p:transition>
 </p:sld>
@@ -22506,7 +22506,7 @@
   <p:clrMapOvr>
     <a:masterClrMapping/>
   </p:clrMapOvr>
-  <p:transition spd="slow">
+  <p:transition>
     <p:push dir="u"/>
   </p:transition>
 </p:sld>
@@ -23777,7 +23777,7 @@
   <p:clrMapOvr>
     <a:masterClrMapping/>
   </p:clrMapOvr>
-  <p:transition spd="slow">
+  <p:transition>
     <p:push dir="u"/>
   </p:transition>
 </p:sld>
@@ -23965,7 +23965,7 @@
   <p:clrMapOvr>
     <a:masterClrMapping/>
   </p:clrMapOvr>
-  <p:transition spd="slow">
+  <p:transition>
     <p:push dir="u"/>
   </p:transition>
 </p:sld>
@@ -24520,7 +24520,7 @@
   <p:clrMapOvr>
     <a:masterClrMapping/>
   </p:clrMapOvr>
-  <p:transition spd="slow">
+  <p:transition>
     <p:push dir="u"/>
   </p:transition>
 </p:sld>
@@ -25083,7 +25083,7 @@
   <p:clrMapOvr>
     <a:masterClrMapping/>
   </p:clrMapOvr>
-  <p:transition spd="slow">
+  <p:transition>
     <p:push dir="u"/>
   </p:transition>
 </p:sld>
@@ -25231,7 +25231,7 @@
   <p:clrMapOvr>
     <a:masterClrMapping/>
   </p:clrMapOvr>
-  <p:transition spd="slow">
+  <p:transition>
     <p:push dir="u"/>
   </p:transition>
 </p:sld>
@@ -25754,7 +25754,7 @@
   <p:clrMapOvr>
     <a:masterClrMapping/>
   </p:clrMapOvr>
-  <p:transition spd="slow">
+  <p:transition>
     <p:push dir="u"/>
   </p:transition>
 </p:sld>
@@ -26133,7 +26133,7 @@
   <p:clrMapOvr>
     <a:masterClrMapping/>
   </p:clrMapOvr>
-  <p:transition spd="slow">
+  <p:transition>
     <p:push dir="u"/>
   </p:transition>
 </p:sld>
@@ -26422,7 +26422,7 @@
   <p:clrMapOvr>
     <a:masterClrMapping/>
   </p:clrMapOvr>
-  <p:transition spd="slow">
+  <p:transition>
     <p:push dir="u"/>
   </p:transition>
 </p:sld>
@@ -27689,7 +27689,7 @@
   <p:clrMapOvr>
     <a:masterClrMapping/>
   </p:clrMapOvr>
-  <p:transition spd="slow">
+  <p:transition>
     <p:push dir="u"/>
   </p:transition>
 </p:sld>
@@ -27948,7 +27948,7 @@
   <p:clrMapOvr>
     <a:masterClrMapping/>
   </p:clrMapOvr>
-  <p:transition spd="slow">
+  <p:transition>
     <p:push dir="u"/>
   </p:transition>
 </p:sld>
@@ -28208,7 +28208,7 @@
   <p:clrMapOvr>
     <a:masterClrMapping/>
   </p:clrMapOvr>
-  <p:transition spd="slow">
+  <p:transition>
     <p:push dir="u"/>
   </p:transition>
 </p:sld>
@@ -28611,7 +28611,7 @@
   <p:clrMapOvr>
     <a:masterClrMapping/>
   </p:clrMapOvr>
-  <p:transition spd="slow">
+  <p:transition>
     <p:push dir="u"/>
   </p:transition>
 </p:sld>
@@ -29264,7 +29264,7 @@
   <p:clrMapOvr>
     <a:masterClrMapping/>
   </p:clrMapOvr>
-  <p:transition spd="slow">
+  <p:transition>
     <p:push dir="u"/>
   </p:transition>
 </p:sld>
@@ -29860,7 +29860,7 @@
   <p:clrMapOvr>
     <a:masterClrMapping/>
   </p:clrMapOvr>
-  <p:transition spd="slow">
+  <p:transition>
     <p:push dir="u"/>
   </p:transition>
 </p:sld>
@@ -30193,7 +30193,7 @@
   <p:clrMapOvr>
     <a:masterClrMapping/>
   </p:clrMapOvr>
-  <p:transition spd="slow">
+  <p:transition>
     <p:push dir="u"/>
   </p:transition>
 </p:sld>
@@ -30429,7 +30429,7 @@
   <a:extraClrSchemeLst/>
   <a:extLst>
     <a:ext uri="{05A4C25C-085E-4340-85A3-A5531E510DB2}">
-      <thm15:themeFamily xmlns:thm15="http://schemas.microsoft.com/office/thememl/2012/main" name="TYIC" id="{F8B8016E-470C-4FE5-A78C-33B2A9D17434}" vid="{BC6C4CDA-A093-4978-B969-B6482D48D481}"/>
+      <thm15:themeFamily xmlns:thm15="http://schemas.microsoft.com/office/thememl/2012/main" name="TYIC" id="{5F22F33A-EA50-4F22-9F2C-8A64A179567F}" vid="{3247D5A2-1B78-4AF4-9AA5-9AF4332DE771}"/>
     </a:ext>
   </a:extLst>
 </a:theme>

--- a/ppt/30_Git 與 Github.pptx
+++ b/ppt/30_Git 與 Github.pptx
@@ -242,7 +242,7 @@
           <a:p>
             <a:fld id="{4C3E8E4F-B94C-4931-8E26-37EF94800EBC}" type="datetimeFigureOut">
               <a:rPr lang="zh-TW" altLang="en-US" smtClean="0"/>
-              <a:t>2025/2/28</a:t>
+              <a:t>2025/3/2</a:t>
             </a:fld>
             <a:endParaRPr lang="zh-TW" altLang="en-US"/>
           </a:p>
@@ -23111,7 +23111,7 @@
                     <a:schemeClr val="bg1"/>
                   </a:solidFill>
                 </a:rPr>
-                <a:t>問題</a:t>
+                <a:t>議題</a:t>
               </a:r>
             </a:p>
           </p:txBody>
@@ -23828,7 +23828,7 @@
           <a:p>
             <a:r>
               <a:rPr lang="zh-TW" altLang="en-US"/>
-              <a:t>問題</a:t>
+              <a:t>議題</a:t>
             </a:r>
           </a:p>
         </p:txBody>
@@ -25437,7 +25437,7 @@
                   <a:srgbClr val="00B0F0"/>
                 </a:solidFill>
               </a:rPr>
-              <a:t>問題</a:t>
+              <a:t>議題</a:t>
             </a:r>
             <a:r>
               <a:rPr lang="en-US" altLang="zh-TW">
